--- a/Monograph/フローチャート_CBP.pptx
+++ b/Monograph/フローチャート_CBP.pptx
@@ -243,7 +243,7 @@
           <a:p>
             <a:fld id="{55702D63-87CA-414E-9F6B-FC6B547EA082}" type="datetimeFigureOut">
               <a:rPr kumimoji="1" lang="ja-JP" altLang="en-US" smtClean="0"/>
-              <a:t>2016/2/7</a:t>
+              <a:t>2016/2/8</a:t>
             </a:fld>
             <a:endParaRPr kumimoji="1" lang="ja-JP" altLang="en-US"/>
           </a:p>
@@ -445,7 +445,7 @@
           <a:p>
             <a:fld id="{55702D63-87CA-414E-9F6B-FC6B547EA082}" type="datetimeFigureOut">
               <a:rPr kumimoji="1" lang="ja-JP" altLang="en-US" smtClean="0"/>
-              <a:t>2016/2/7</a:t>
+              <a:t>2016/2/8</a:t>
             </a:fld>
             <a:endParaRPr kumimoji="1" lang="ja-JP" altLang="en-US"/>
           </a:p>
@@ -657,7 +657,7 @@
           <a:p>
             <a:fld id="{55702D63-87CA-414E-9F6B-FC6B547EA082}" type="datetimeFigureOut">
               <a:rPr kumimoji="1" lang="ja-JP" altLang="en-US" smtClean="0"/>
-              <a:t>2016/2/7</a:t>
+              <a:t>2016/2/8</a:t>
             </a:fld>
             <a:endParaRPr kumimoji="1" lang="ja-JP" altLang="en-US"/>
           </a:p>
@@ -859,7 +859,7 @@
           <a:p>
             <a:fld id="{55702D63-87CA-414E-9F6B-FC6B547EA082}" type="datetimeFigureOut">
               <a:rPr kumimoji="1" lang="ja-JP" altLang="en-US" smtClean="0"/>
-              <a:t>2016/2/7</a:t>
+              <a:t>2016/2/8</a:t>
             </a:fld>
             <a:endParaRPr kumimoji="1" lang="ja-JP" altLang="en-US"/>
           </a:p>
@@ -1103,7 +1103,7 @@
           <a:p>
             <a:fld id="{55702D63-87CA-414E-9F6B-FC6B547EA082}" type="datetimeFigureOut">
               <a:rPr kumimoji="1" lang="ja-JP" altLang="en-US" smtClean="0"/>
-              <a:t>2016/2/7</a:t>
+              <a:t>2016/2/8</a:t>
             </a:fld>
             <a:endParaRPr kumimoji="1" lang="ja-JP" altLang="en-US"/>
           </a:p>
@@ -1399,7 +1399,7 @@
           <a:p>
             <a:fld id="{55702D63-87CA-414E-9F6B-FC6B547EA082}" type="datetimeFigureOut">
               <a:rPr kumimoji="1" lang="ja-JP" altLang="en-US" smtClean="0"/>
-              <a:t>2016/2/7</a:t>
+              <a:t>2016/2/8</a:t>
             </a:fld>
             <a:endParaRPr kumimoji="1" lang="ja-JP" altLang="en-US"/>
           </a:p>
@@ -1830,7 +1830,7 @@
           <a:p>
             <a:fld id="{55702D63-87CA-414E-9F6B-FC6B547EA082}" type="datetimeFigureOut">
               <a:rPr kumimoji="1" lang="ja-JP" altLang="en-US" smtClean="0"/>
-              <a:t>2016/2/7</a:t>
+              <a:t>2016/2/8</a:t>
             </a:fld>
             <a:endParaRPr kumimoji="1" lang="ja-JP" altLang="en-US"/>
           </a:p>
@@ -1948,7 +1948,7 @@
           <a:p>
             <a:fld id="{55702D63-87CA-414E-9F6B-FC6B547EA082}" type="datetimeFigureOut">
               <a:rPr kumimoji="1" lang="ja-JP" altLang="en-US" smtClean="0"/>
-              <a:t>2016/2/7</a:t>
+              <a:t>2016/2/8</a:t>
             </a:fld>
             <a:endParaRPr kumimoji="1" lang="ja-JP" altLang="en-US"/>
           </a:p>
@@ -2043,7 +2043,7 @@
           <a:p>
             <a:fld id="{55702D63-87CA-414E-9F6B-FC6B547EA082}" type="datetimeFigureOut">
               <a:rPr kumimoji="1" lang="ja-JP" altLang="en-US" smtClean="0"/>
-              <a:t>2016/2/7</a:t>
+              <a:t>2016/2/8</a:t>
             </a:fld>
             <a:endParaRPr kumimoji="1" lang="ja-JP" altLang="en-US"/>
           </a:p>
@@ -2352,7 +2352,7 @@
           <a:p>
             <a:fld id="{55702D63-87CA-414E-9F6B-FC6B547EA082}" type="datetimeFigureOut">
               <a:rPr kumimoji="1" lang="ja-JP" altLang="en-US" smtClean="0"/>
-              <a:t>2016/2/7</a:t>
+              <a:t>2016/2/8</a:t>
             </a:fld>
             <a:endParaRPr kumimoji="1" lang="ja-JP" altLang="en-US"/>
           </a:p>
@@ -2609,7 +2609,7 @@
           <a:p>
             <a:fld id="{55702D63-87CA-414E-9F6B-FC6B547EA082}" type="datetimeFigureOut">
               <a:rPr kumimoji="1" lang="ja-JP" altLang="en-US" smtClean="0"/>
-              <a:t>2016/2/7</a:t>
+              <a:t>2016/2/8</a:t>
             </a:fld>
             <a:endParaRPr kumimoji="1" lang="ja-JP" altLang="en-US"/>
           </a:p>
@@ -2854,7 +2854,7 @@
           <a:p>
             <a:fld id="{55702D63-87CA-414E-9F6B-FC6B547EA082}" type="datetimeFigureOut">
               <a:rPr kumimoji="1" lang="ja-JP" altLang="en-US" smtClean="0"/>
-              <a:t>2016/2/7</a:t>
+              <a:t>2016/2/8</a:t>
             </a:fld>
             <a:endParaRPr kumimoji="1" lang="ja-JP" altLang="en-US"/>
           </a:p>
@@ -3259,8 +3259,8 @@
           <a:chExt cx="0" cy="0"/>
         </a:xfrm>
       </p:grpSpPr>
-      <mc:AlternateContent xmlns:mc="http://schemas.openxmlformats.org/markup-compatibility/2006">
-        <mc:Choice xmlns:a14="http://schemas.microsoft.com/office/drawing/2010/main" Requires="a14">
+      <mc:AlternateContent xmlns:mc="http://schemas.openxmlformats.org/markup-compatibility/2006" xmlns:a14="http://schemas.microsoft.com/office/drawing/2010/main">
+        <mc:Choice Requires="a14">
           <p:sp>
             <p:nvSpPr>
               <p:cNvPr id="57" name="テキスト ボックス 56"/>
@@ -3387,7 +3387,7 @@
             </p:txBody>
           </p:sp>
         </mc:Choice>
-        <mc:Fallback>
+        <mc:Fallback xmlns="">
           <p:sp>
             <p:nvSpPr>
               <p:cNvPr id="57" name="テキスト ボックス 56"/>
@@ -3426,8 +3426,8 @@
           </p:sp>
         </mc:Fallback>
       </mc:AlternateContent>
-      <mc:AlternateContent xmlns:mc="http://schemas.openxmlformats.org/markup-compatibility/2006">
-        <mc:Choice xmlns:a14="http://schemas.microsoft.com/office/drawing/2010/main" Requires="a14">
+      <mc:AlternateContent xmlns:mc="http://schemas.openxmlformats.org/markup-compatibility/2006" xmlns:a14="http://schemas.microsoft.com/office/drawing/2010/main">
+        <mc:Choice Requires="a14">
           <p:sp>
             <p:nvSpPr>
               <p:cNvPr id="4" name="フローチャート: 端子 3"/>
@@ -3524,7 +3524,7 @@
             </p:txBody>
           </p:sp>
         </mc:Choice>
-        <mc:Fallback>
+        <mc:Fallback xmlns="">
           <p:sp>
             <p:nvSpPr>
               <p:cNvPr id="4" name="フローチャート: 端子 3"/>
@@ -3568,8 +3568,8 @@
           </p:sp>
         </mc:Fallback>
       </mc:AlternateContent>
-      <mc:AlternateContent xmlns:mc="http://schemas.openxmlformats.org/markup-compatibility/2006">
-        <mc:Choice xmlns:a14="http://schemas.microsoft.com/office/drawing/2010/main" Requires="a14">
+      <mc:AlternateContent xmlns:mc="http://schemas.openxmlformats.org/markup-compatibility/2006" xmlns:a14="http://schemas.microsoft.com/office/drawing/2010/main">
+        <mc:Choice Requires="a14">
           <p:sp>
             <p:nvSpPr>
               <p:cNvPr id="6" name="フローチャート: 端子 5"/>
@@ -3746,7 +3746,7 @@
             </p:txBody>
           </p:sp>
         </mc:Choice>
-        <mc:Fallback>
+        <mc:Fallback xmlns="">
           <p:sp>
             <p:nvSpPr>
               <p:cNvPr id="6" name="フローチャート: 端子 5"/>
@@ -3790,8 +3790,8 @@
           </p:sp>
         </mc:Fallback>
       </mc:AlternateContent>
-      <mc:AlternateContent xmlns:mc="http://schemas.openxmlformats.org/markup-compatibility/2006">
-        <mc:Choice xmlns:a14="http://schemas.microsoft.com/office/drawing/2010/main" Requires="a14">
+      <mc:AlternateContent xmlns:mc="http://schemas.openxmlformats.org/markup-compatibility/2006" xmlns:a14="http://schemas.microsoft.com/office/drawing/2010/main">
+        <mc:Choice Requires="a14">
           <p:sp>
             <p:nvSpPr>
               <p:cNvPr id="8" name="フローチャート: 処理 7"/>
@@ -3842,7 +3842,7 @@
                 <a14:m>
                   <m:oMath xmlns:m="http://schemas.openxmlformats.org/officeDocument/2006/math">
                     <m:r>
-                      <a:rPr lang="en-US" altLang="ja-JP" sz="1400" i="1">
+                      <a:rPr lang="en-US" altLang="ja-JP" sz="1400" i="1" smtClean="0">
                         <a:solidFill>
                           <a:srgbClr val="333333"/>
                         </a:solidFill>
@@ -3874,18 +3874,7 @@
                     <a:ea typeface="Cambria Math" charset="0"/>
                     <a:cs typeface="Cambria Math" charset="0"/>
                   </a:rPr>
-                  <a:t> </a:t>
-                </a:r>
-                <a:r>
-                  <a:rPr lang="en-US" altLang="ja-JP" sz="1400" i="1" dirty="0">
-                    <a:solidFill>
-                      <a:srgbClr val="333333"/>
-                    </a:solidFill>
-                    <a:latin typeface="Cambria Math" charset="0"/>
-                    <a:ea typeface="Cambria Math" charset="0"/>
-                    <a:cs typeface="Cambria Math" charset="0"/>
-                  </a:rPr>
-                  <a:t>:=</a:t>
+                  <a:t> ≔ </a:t>
                 </a:r>
                 <a14:m>
                   <m:oMath xmlns:m="http://schemas.openxmlformats.org/officeDocument/2006/math">
@@ -3954,7 +3943,7 @@
                     <a:ea typeface="Cambria Math" charset="0"/>
                     <a:cs typeface="Cambria Math" charset="0"/>
                   </a:rPr>
-                  <a:t>F</a:t>
+                  <a:t>F </a:t>
                 </a:r>
                 <a:r>
                   <a:rPr lang="en-US" altLang="ja-JP" sz="1400" i="1" dirty="0" smtClean="0">
@@ -3990,7 +3979,7 @@
             </p:txBody>
           </p:sp>
         </mc:Choice>
-        <mc:Fallback>
+        <mc:Fallback xmlns="">
           <p:sp>
             <p:nvSpPr>
               <p:cNvPr id="8" name="フローチャート: 処理 7"/>
@@ -4010,7 +3999,7 @@
               <a:blipFill rotWithShape="0">
                 <a:blip r:embed="rId5"/>
                 <a:stretch>
-                  <a:fillRect/>
+                  <a:fillRect r="-485"/>
                 </a:stretch>
               </a:blipFill>
               <a:ln w="12700">
@@ -4034,8 +4023,8 @@
           </p:sp>
         </mc:Fallback>
       </mc:AlternateContent>
-      <mc:AlternateContent xmlns:mc="http://schemas.openxmlformats.org/markup-compatibility/2006">
-        <mc:Choice xmlns:a14="http://schemas.microsoft.com/office/drawing/2010/main" Requires="a14">
+      <mc:AlternateContent xmlns:mc="http://schemas.openxmlformats.org/markup-compatibility/2006" xmlns:a14="http://schemas.microsoft.com/office/drawing/2010/main">
+        <mc:Choice Requires="a14">
           <p:sp>
             <p:nvSpPr>
               <p:cNvPr id="9" name="フローチャート: 処理 8"/>
@@ -4217,7 +4206,7 @@
             </p:txBody>
           </p:sp>
         </mc:Choice>
-        <mc:Fallback>
+        <mc:Fallback xmlns="">
           <p:sp>
             <p:nvSpPr>
               <p:cNvPr id="9" name="フローチャート: 処理 8"/>
@@ -4314,14 +4303,6 @@
               </a:rPr>
               <a:t>for</a:t>
             </a:r>
-            <a:endParaRPr lang="en-US" altLang="ja-JP" sz="1200" i="1" dirty="0" smtClean="0">
-              <a:solidFill>
-                <a:schemeClr val="tx1"/>
-              </a:solidFill>
-              <a:latin typeface="Cambria Math" charset="0"/>
-              <a:ea typeface="Cambria Math" charset="0"/>
-              <a:cs typeface="Cambria Math" charset="0"/>
-            </a:endParaRPr>
           </a:p>
           <a:p>
             <a:pPr algn="ctr"/>
@@ -4434,7 +4415,7 @@
           <a:p>
             <a:pPr algn="ctr"/>
             <a:r>
-              <a:rPr lang="en-US" altLang="ja-JP" sz="1200" i="1" dirty="0" smtClean="0">
+              <a:rPr lang="en-US" altLang="ja-JP" sz="1100" i="1" dirty="0" smtClean="0">
                 <a:solidFill>
                   <a:schemeClr val="tx1"/>
                 </a:solidFill>
@@ -4442,10 +4423,10 @@
                 <a:ea typeface="Cambria Math" charset="0"/>
                 <a:cs typeface="Cambria Math" charset="0"/>
               </a:rPr>
-              <a:t>if </a:t>
-            </a:r>
-            <a:r>
-              <a:rPr lang="en-US" altLang="ja-JP" sz="1200" i="1" dirty="0" err="1" smtClean="0">
+              <a:t>if  </a:t>
+            </a:r>
+            <a:r>
+              <a:rPr lang="en-US" altLang="ja-JP" sz="1100" i="1" dirty="0" err="1" smtClean="0">
                 <a:solidFill>
                   <a:schemeClr val="tx1"/>
                 </a:solidFill>
@@ -4456,7 +4437,7 @@
               <a:t>y</a:t>
             </a:r>
             <a:r>
-              <a:rPr lang="en-US" altLang="ja-JP" sz="1200" i="1" baseline="-25000" dirty="0" err="1" smtClean="0">
+              <a:rPr lang="en-US" altLang="ja-JP" sz="1100" i="1" baseline="-25000" dirty="0" err="1" smtClean="0">
                 <a:solidFill>
                   <a:schemeClr val="tx1"/>
                 </a:solidFill>
@@ -4467,7 +4448,7 @@
               <a:t>m</a:t>
             </a:r>
             <a:r>
-              <a:rPr lang="en-US" altLang="ja-JP" sz="1200" i="1" dirty="0" smtClean="0">
+              <a:rPr lang="en-US" altLang="ja-JP" sz="1100" i="1" dirty="0" smtClean="0">
                 <a:solidFill>
                   <a:schemeClr val="tx1"/>
                 </a:solidFill>
@@ -4477,7 +4458,7 @@
               </a:rPr>
               <a:t> = 0</a:t>
             </a:r>
-            <a:endParaRPr kumimoji="1" lang="ja-JP" altLang="en-US" sz="1200" i="1" dirty="0">
+            <a:endParaRPr kumimoji="1" lang="ja-JP" altLang="en-US" sz="1100" i="1" dirty="0">
               <a:solidFill>
                 <a:schemeClr val="tx1"/>
               </a:solidFill>
@@ -5027,16 +5008,30 @@
                 <a:ea typeface="Cambria Math" charset="0"/>
                 <a:cs typeface="Cambria Math" charset="0"/>
               </a:rPr>
-              <a:t>2 for</a:t>
-            </a:r>
-            <a:endParaRPr lang="en-US" altLang="ja-JP" sz="1200" i="1" dirty="0" smtClean="0">
-              <a:solidFill>
-                <a:schemeClr val="tx1"/>
-              </a:solidFill>
-              <a:latin typeface="Cambria Math" charset="0"/>
-              <a:ea typeface="Cambria Math" charset="0"/>
-              <a:cs typeface="Cambria Math" charset="0"/>
-            </a:endParaRPr>
+              <a:t>2nd</a:t>
+            </a:r>
+            <a:r>
+              <a:rPr lang="en-US" altLang="ja-JP" sz="1200" i="1" dirty="0" smtClean="0">
+                <a:solidFill>
+                  <a:schemeClr val="tx1"/>
+                </a:solidFill>
+                <a:latin typeface="Cambria Math" charset="0"/>
+                <a:ea typeface="Cambria Math" charset="0"/>
+                <a:cs typeface="Cambria Math" charset="0"/>
+              </a:rPr>
+              <a:t> </a:t>
+            </a:r>
+            <a:r>
+              <a:rPr lang="en-US" altLang="ja-JP" sz="1200" i="1" dirty="0" smtClean="0">
+                <a:solidFill>
+                  <a:schemeClr val="tx1"/>
+                </a:solidFill>
+                <a:latin typeface="Cambria Math" charset="0"/>
+                <a:ea typeface="Cambria Math" charset="0"/>
+                <a:cs typeface="Cambria Math" charset="0"/>
+              </a:rPr>
+              <a:t>for</a:t>
+            </a:r>
           </a:p>
           <a:p>
             <a:pPr algn="ctr"/>
@@ -5295,8 +5290,8 @@
           </p:nvSpPr>
           <p:spPr>
             <a:xfrm>
-              <a:off x="3015385" y="3559315"/>
-              <a:ext cx="785659" cy="276999"/>
+              <a:off x="2932516" y="3559121"/>
+              <a:ext cx="947053" cy="276999"/>
             </a:xfrm>
             <a:prstGeom prst="rect">
               <a:avLst/>
@@ -5310,12 +5305,28 @@
             <a:lstStyle/>
             <a:p>
               <a:r>
-                <a:rPr lang="en-US" altLang="ja-JP" sz="1200" i="1" dirty="0" smtClean="0">
+                <a:rPr lang="en-US" altLang="ja-JP" sz="1200" i="1" smtClean="0">
                   <a:latin typeface="Cambria Math" charset="0"/>
                   <a:ea typeface="Cambria Math" charset="0"/>
                   <a:cs typeface="Cambria Math" charset="0"/>
                 </a:rPr>
-                <a:t>end 2for</a:t>
+                <a:t>end </a:t>
+              </a:r>
+              <a:r>
+                <a:rPr lang="en-US" altLang="ja-JP" sz="1200" i="1" smtClean="0">
+                  <a:latin typeface="Cambria Math" charset="0"/>
+                  <a:ea typeface="Cambria Math" charset="0"/>
+                  <a:cs typeface="Cambria Math" charset="0"/>
+                </a:rPr>
+                <a:t>2nd </a:t>
+              </a:r>
+              <a:r>
+                <a:rPr lang="en-US" altLang="ja-JP" sz="1200" i="1" smtClean="0">
+                  <a:latin typeface="Cambria Math" charset="0"/>
+                  <a:ea typeface="Cambria Math" charset="0"/>
+                  <a:cs typeface="Cambria Math" charset="0"/>
+                </a:rPr>
+                <a:t>for</a:t>
               </a:r>
               <a:endParaRPr kumimoji="1" lang="ja-JP" altLang="en-US" sz="1200" i="1" dirty="0">
                 <a:latin typeface="Cambria Math" charset="0"/>
@@ -5707,8 +5718,8 @@
           </a:p>
         </p:txBody>
       </p:sp>
-      <mc:AlternateContent xmlns:mc="http://schemas.openxmlformats.org/markup-compatibility/2006">
-        <mc:Choice xmlns:a14="http://schemas.microsoft.com/office/drawing/2010/main" Requires="a14">
+      <mc:AlternateContent xmlns:mc="http://schemas.openxmlformats.org/markup-compatibility/2006" xmlns:a14="http://schemas.microsoft.com/office/drawing/2010/main">
+        <mc:Choice Requires="a14">
           <p:sp>
             <p:nvSpPr>
               <p:cNvPr id="94" name="テキスト ボックス 93"/>
@@ -5784,7 +5795,7 @@
                     <a:ea typeface="Cambria Math" charset="0"/>
                     <a:cs typeface="Cambria Math" charset="0"/>
                   </a:rPr>
-                  <a:t> :=</a:t>
+                  <a:t> ≔ </a:t>
                 </a:r>
                 <a14:m>
                   <m:oMath xmlns:m="http://schemas.openxmlformats.org/officeDocument/2006/math">
@@ -5943,17 +5954,6 @@
                         <a:cs typeface="Cambria Math" charset="0"/>
                       </a:rPr>
                       <m:t>𝜀</m:t>
-                    </m:r>
-                    <m:r>
-                      <a:rPr lang="en-US" altLang="ja-JP" sz="1050" i="1">
-                        <a:solidFill>
-                          <a:srgbClr val="333333"/>
-                        </a:solidFill>
-                        <a:latin typeface="Cambria Math" charset="0"/>
-                        <a:ea typeface="Cambria Math" charset="0"/>
-                        <a:cs typeface="Cambria Math" charset="0"/>
-                      </a:rPr>
-                      <m:t> </m:t>
                     </m:r>
                     <m:r>
                       <m:rPr>
@@ -6142,7 +6142,7 @@
             </p:txBody>
           </p:sp>
         </mc:Choice>
-        <mc:Fallback>
+        <mc:Fallback xmlns="">
           <p:sp>
             <p:nvSpPr>
               <p:cNvPr id="94" name="テキスト ボックス 93"/>
@@ -6162,7 +6162,7 @@
               <a:blipFill rotWithShape="0">
                 <a:blip r:embed="rId7"/>
                 <a:stretch>
-                  <a:fillRect t="-5882" b="-58824"/>
+                  <a:fillRect b="-47059"/>
                 </a:stretch>
               </a:blipFill>
             </p:spPr>
